--- a/28普世宣教.pptx
+++ b/28普世宣教.pptx
@@ -13,7 +13,7 @@
     <p:sldId id="260" r:id="rId7"/>
     <p:sldId id="262" r:id="rId8"/>
   </p:sldIdLst>
-  <p:sldSz cx="9144000" cy="6858000" type="screen4x3"/>
+  <p:sldSz cx="9144000" cy="5143500" type="screen16x9"/>
   <p:notesSz cx="6858000" cy="9144000"/>
   <p:defaultTextStyle>
     <a:defPPr>
@@ -147,8 +147,8 @@
         </p:nvSpPr>
         <p:spPr>
           <a:xfrm>
-            <a:off x="2286000" y="3124200"/>
-            <a:ext cx="6172200" cy="1894362"/>
+            <a:off x="2286000" y="2343150"/>
+            <a:ext cx="6172200" cy="1420772"/>
           </a:xfrm>
         </p:spPr>
         <p:txBody>
@@ -179,8 +179,8 @@
         </p:nvSpPr>
         <p:spPr>
           <a:xfrm>
-            <a:off x="2286000" y="5003322"/>
-            <a:ext cx="6172200" cy="1371600"/>
+            <a:off x="2286000" y="3752492"/>
+            <a:ext cx="6172200" cy="1028700"/>
           </a:xfrm>
         </p:spPr>
         <p:txBody>
@@ -240,8 +240,8 @@
         </p:nvSpPr>
         <p:spPr bwMode="auto">
           <a:xfrm rot="5400000">
-            <a:off x="7764621" y="1174097"/>
-            <a:ext cx="2286000" cy="381000"/>
+            <a:off x="8050371" y="832948"/>
+            <a:ext cx="1714500" cy="381000"/>
           </a:xfrm>
         </p:spPr>
         <p:txBody>
@@ -251,7 +251,7 @@
             <a:fld id="{86B5546F-C09B-4E63-ABC5-F7C86A7E8D66}" type="datetimeFigureOut">
               <a:rPr lang="en-US" smtClean="0"/>
               <a:pPr/>
-              <a:t>3/12/2017</a:t>
+              <a:t>10/26/2019</a:t>
             </a:fld>
             <a:endParaRPr lang="en-US"/>
           </a:p>
@@ -269,8 +269,8 @@
         </p:nvSpPr>
         <p:spPr bwMode="auto">
           <a:xfrm rot="5400000">
-            <a:off x="7077269" y="4181669"/>
-            <a:ext cx="3657600" cy="384048"/>
+            <a:off x="7534469" y="3088246"/>
+            <a:ext cx="2743200" cy="384048"/>
           </a:xfrm>
         </p:spPr>
         <p:txBody>
@@ -290,7 +290,7 @@
         <p:spPr bwMode="auto">
           <a:xfrm>
             <a:off x="381000" y="0"/>
-            <a:ext cx="609600" cy="6858000"/>
+            <a:ext cx="609600" cy="5143500"/>
           </a:xfrm>
           <a:prstGeom prst="rect">
             <a:avLst/>
@@ -339,7 +339,7 @@
         <p:spPr bwMode="auto">
           <a:xfrm>
             <a:off x="276336" y="0"/>
-            <a:ext cx="104664" cy="6858000"/>
+            <a:ext cx="104664" cy="5143500"/>
           </a:xfrm>
           <a:prstGeom prst="rect">
             <a:avLst/>
@@ -388,7 +388,7 @@
         <p:spPr bwMode="auto">
           <a:xfrm>
             <a:off x="990600" y="0"/>
-            <a:ext cx="181872" cy="6858000"/>
+            <a:ext cx="181872" cy="5143500"/>
           </a:xfrm>
           <a:prstGeom prst="rect">
             <a:avLst/>
@@ -437,7 +437,7 @@
         <p:spPr bwMode="auto">
           <a:xfrm>
             <a:off x="1141320" y="0"/>
-            <a:ext cx="230280" cy="6858000"/>
+            <a:ext cx="230280" cy="5143500"/>
           </a:xfrm>
           <a:prstGeom prst="rect">
             <a:avLst/>
@@ -488,7 +488,7 @@
         <p:spPr bwMode="auto">
           <a:xfrm>
             <a:off x="106344" y="0"/>
-            <a:ext cx="0" cy="6858000"/>
+            <a:ext cx="0" cy="5143500"/>
           </a:xfrm>
           <a:prstGeom prst="line">
             <a:avLst/>
@@ -527,7 +527,7 @@
         <p:spPr bwMode="auto">
           <a:xfrm>
             <a:off x="914400" y="0"/>
-            <a:ext cx="0" cy="6858000"/>
+            <a:ext cx="0" cy="5143500"/>
           </a:xfrm>
           <a:prstGeom prst="line">
             <a:avLst/>
@@ -566,7 +566,7 @@
         <p:spPr bwMode="auto">
           <a:xfrm>
             <a:off x="854112" y="0"/>
-            <a:ext cx="0" cy="6858000"/>
+            <a:ext cx="0" cy="5143500"/>
           </a:xfrm>
           <a:prstGeom prst="line">
             <a:avLst/>
@@ -604,7 +604,7 @@
         <p:spPr bwMode="auto">
           <a:xfrm>
             <a:off x="1726640" y="0"/>
-            <a:ext cx="0" cy="6858000"/>
+            <a:ext cx="0" cy="5143500"/>
           </a:xfrm>
           <a:prstGeom prst="line">
             <a:avLst/>
@@ -643,7 +643,7 @@
         <p:spPr bwMode="auto">
           <a:xfrm>
             <a:off x="1066800" y="0"/>
-            <a:ext cx="0" cy="6858000"/>
+            <a:ext cx="0" cy="5143500"/>
           </a:xfrm>
           <a:prstGeom prst="line">
             <a:avLst/>
@@ -681,7 +681,7 @@
         <p:spPr bwMode="auto">
           <a:xfrm>
             <a:off x="9113856" y="0"/>
-            <a:ext cx="0" cy="6858000"/>
+            <a:ext cx="0" cy="5143500"/>
           </a:xfrm>
           <a:prstGeom prst="line">
             <a:avLst/>
@@ -717,7 +717,7 @@
         <p:spPr bwMode="auto">
           <a:xfrm>
             <a:off x="1219200" y="0"/>
-            <a:ext cx="76200" cy="6858000"/>
+            <a:ext cx="76200" cy="5143500"/>
           </a:xfrm>
           <a:prstGeom prst="rect">
             <a:avLst/>
@@ -765,8 +765,8 @@
         </p:nvSpPr>
         <p:spPr bwMode="auto">
           <a:xfrm>
-            <a:off x="609600" y="3429000"/>
-            <a:ext cx="1295400" cy="1295400"/>
+            <a:off x="609600" y="2571750"/>
+            <a:ext cx="1295400" cy="971550"/>
           </a:xfrm>
           <a:prstGeom prst="ellipse">
             <a:avLst/>
@@ -811,8 +811,8 @@
         </p:nvSpPr>
         <p:spPr bwMode="auto">
           <a:xfrm>
-            <a:off x="1309632" y="4866752"/>
-            <a:ext cx="641424" cy="641424"/>
+            <a:off x="1309632" y="3650064"/>
+            <a:ext cx="641424" cy="481068"/>
           </a:xfrm>
           <a:prstGeom prst="ellipse">
             <a:avLst/>
@@ -854,8 +854,8 @@
         </p:nvSpPr>
         <p:spPr bwMode="auto">
           <a:xfrm>
-            <a:off x="1091080" y="5500632"/>
-            <a:ext cx="137160" cy="137160"/>
+            <a:off x="1091080" y="4125474"/>
+            <a:ext cx="137160" cy="102870"/>
           </a:xfrm>
           <a:prstGeom prst="ellipse">
             <a:avLst/>
@@ -897,8 +897,8 @@
         </p:nvSpPr>
         <p:spPr bwMode="auto">
           <a:xfrm>
-            <a:off x="1664208" y="5788152"/>
-            <a:ext cx="274320" cy="274320"/>
+            <a:off x="1664208" y="4341114"/>
+            <a:ext cx="274320" cy="205740"/>
           </a:xfrm>
           <a:prstGeom prst="ellipse">
             <a:avLst/>
@@ -940,8 +940,8 @@
         </p:nvSpPr>
         <p:spPr>
           <a:xfrm>
-            <a:off x="1905000" y="4495800"/>
-            <a:ext cx="365760" cy="365760"/>
+            <a:off x="1905000" y="3371850"/>
+            <a:ext cx="365760" cy="274320"/>
           </a:xfrm>
           <a:prstGeom prst="ellipse">
             <a:avLst/>
@@ -987,8 +987,8 @@
         </p:nvSpPr>
         <p:spPr bwMode="auto">
           <a:xfrm>
-            <a:off x="1325544" y="4928702"/>
-            <a:ext cx="609600" cy="517524"/>
+            <a:off x="1325544" y="3696527"/>
+            <a:ext cx="609600" cy="388143"/>
           </a:xfrm>
         </p:spPr>
         <p:txBody>
@@ -1122,7 +1122,7 @@
             <a:fld id="{86B5546F-C09B-4E63-ABC5-F7C86A7E8D66}" type="datetimeFigureOut">
               <a:rPr lang="en-US" smtClean="0"/>
               <a:pPr/>
-              <a:t>3/12/2017</a:t>
+              <a:t>10/26/2019</a:t>
             </a:fld>
             <a:endParaRPr lang="en-US"/>
           </a:p>
@@ -1208,8 +1208,8 @@
         </p:nvSpPr>
         <p:spPr>
           <a:xfrm>
-            <a:off x="6629400" y="274639"/>
-            <a:ext cx="1676400" cy="5851525"/>
+            <a:off x="6629400" y="205980"/>
+            <a:ext cx="1676400" cy="4388644"/>
           </a:xfrm>
         </p:spPr>
         <p:txBody>
@@ -1236,8 +1236,8 @@
         </p:nvSpPr>
         <p:spPr>
           <a:xfrm>
-            <a:off x="457200" y="274638"/>
-            <a:ext cx="6019800" cy="5851525"/>
+            <a:off x="457200" y="205979"/>
+            <a:ext cx="6019800" cy="4388644"/>
           </a:xfrm>
         </p:spPr>
         <p:txBody>
@@ -1299,7 +1299,7 @@
             <a:fld id="{86B5546F-C09B-4E63-ABC5-F7C86A7E8D66}" type="datetimeFigureOut">
               <a:rPr lang="en-US" smtClean="0"/>
               <a:pPr/>
-              <a:t>3/12/2017</a:t>
+              <a:t>10/26/2019</a:t>
             </a:fld>
             <a:endParaRPr lang="en-US"/>
           </a:p>
@@ -1408,8 +1408,8 @@
         </p:nvSpPr>
         <p:spPr>
           <a:xfrm>
-            <a:off x="457200" y="1600200"/>
-            <a:ext cx="7467600" cy="4873752"/>
+            <a:off x="457200" y="1200150"/>
+            <a:ext cx="7467600" cy="3655314"/>
           </a:xfrm>
         </p:spPr>
         <p:txBody>
@@ -1471,7 +1471,7 @@
             <a:fld id="{86B5546F-C09B-4E63-ABC5-F7C86A7E8D66}" type="datetimeFigureOut">
               <a:rPr lang="en-US" smtClean="0"/>
               <a:pPr/>
-              <a:t>3/12/2017</a:t>
+              <a:t>10/26/2019</a:t>
             </a:fld>
             <a:endParaRPr lang="en-US"/>
           </a:p>
@@ -1562,8 +1562,8 @@
         </p:nvSpPr>
         <p:spPr>
           <a:xfrm>
-            <a:off x="2286000" y="2895600"/>
-            <a:ext cx="6172200" cy="2053590"/>
+            <a:off x="2286000" y="2171700"/>
+            <a:ext cx="6172200" cy="1540193"/>
           </a:xfrm>
         </p:spPr>
         <p:txBody>
@@ -1595,8 +1595,8 @@
         </p:nvSpPr>
         <p:spPr>
           <a:xfrm>
-            <a:off x="2286000" y="5010150"/>
-            <a:ext cx="6172200" cy="1371600"/>
+            <a:off x="2286000" y="3757613"/>
+            <a:ext cx="6172200" cy="1028700"/>
           </a:xfrm>
         </p:spPr>
         <p:txBody>
@@ -1672,8 +1672,8 @@
         </p:nvSpPr>
         <p:spPr bwMode="auto">
           <a:xfrm rot="5400000">
-            <a:off x="7763256" y="1170432"/>
-            <a:ext cx="2286000" cy="381000"/>
+            <a:off x="8049006" y="830199"/>
+            <a:ext cx="1714500" cy="381000"/>
           </a:xfrm>
         </p:spPr>
         <p:txBody>
@@ -1683,7 +1683,7 @@
             <a:fld id="{86B5546F-C09B-4E63-ABC5-F7C86A7E8D66}" type="datetimeFigureOut">
               <a:rPr lang="en-US" smtClean="0"/>
               <a:pPr/>
-              <a:t>3/12/2017</a:t>
+              <a:t>10/26/2019</a:t>
             </a:fld>
             <a:endParaRPr lang="en-US"/>
           </a:p>
@@ -1701,8 +1701,8 @@
         </p:nvSpPr>
         <p:spPr bwMode="auto">
           <a:xfrm rot="5400000">
-            <a:off x="7077456" y="4178808"/>
-            <a:ext cx="3657600" cy="384048"/>
+            <a:off x="7534656" y="3086100"/>
+            <a:ext cx="2743200" cy="384048"/>
           </a:xfrm>
         </p:spPr>
         <p:txBody>
@@ -1722,7 +1722,7 @@
         <p:spPr bwMode="auto">
           <a:xfrm>
             <a:off x="381000" y="0"/>
-            <a:ext cx="609600" cy="6858000"/>
+            <a:ext cx="609600" cy="5143500"/>
           </a:xfrm>
           <a:prstGeom prst="rect">
             <a:avLst/>
@@ -1771,7 +1771,7 @@
         <p:spPr bwMode="auto">
           <a:xfrm>
             <a:off x="276336" y="0"/>
-            <a:ext cx="104664" cy="6858000"/>
+            <a:ext cx="104664" cy="5143500"/>
           </a:xfrm>
           <a:prstGeom prst="rect">
             <a:avLst/>
@@ -1820,7 +1820,7 @@
         <p:spPr bwMode="auto">
           <a:xfrm>
             <a:off x="990600" y="0"/>
-            <a:ext cx="181872" cy="6858000"/>
+            <a:ext cx="181872" cy="5143500"/>
           </a:xfrm>
           <a:prstGeom prst="rect">
             <a:avLst/>
@@ -1869,7 +1869,7 @@
         <p:spPr bwMode="auto">
           <a:xfrm>
             <a:off x="1141320" y="0"/>
-            <a:ext cx="230280" cy="6858000"/>
+            <a:ext cx="230280" cy="5143500"/>
           </a:xfrm>
           <a:prstGeom prst="rect">
             <a:avLst/>
@@ -1920,7 +1920,7 @@
         <p:spPr bwMode="auto">
           <a:xfrm>
             <a:off x="106344" y="0"/>
-            <a:ext cx="0" cy="6858000"/>
+            <a:ext cx="0" cy="5143500"/>
           </a:xfrm>
           <a:prstGeom prst="line">
             <a:avLst/>
@@ -1959,7 +1959,7 @@
         <p:spPr bwMode="auto">
           <a:xfrm>
             <a:off x="914400" y="0"/>
-            <a:ext cx="0" cy="6858000"/>
+            <a:ext cx="0" cy="5143500"/>
           </a:xfrm>
           <a:prstGeom prst="line">
             <a:avLst/>
@@ -1998,7 +1998,7 @@
         <p:spPr bwMode="auto">
           <a:xfrm>
             <a:off x="854112" y="0"/>
-            <a:ext cx="0" cy="6858000"/>
+            <a:ext cx="0" cy="5143500"/>
           </a:xfrm>
           <a:prstGeom prst="line">
             <a:avLst/>
@@ -2036,7 +2036,7 @@
         <p:spPr bwMode="auto">
           <a:xfrm>
             <a:off x="1726640" y="0"/>
-            <a:ext cx="0" cy="6858000"/>
+            <a:ext cx="0" cy="5143500"/>
           </a:xfrm>
           <a:prstGeom prst="line">
             <a:avLst/>
@@ -2075,7 +2075,7 @@
         <p:spPr bwMode="auto">
           <a:xfrm>
             <a:off x="1066800" y="0"/>
-            <a:ext cx="0" cy="6858000"/>
+            <a:ext cx="0" cy="5143500"/>
           </a:xfrm>
           <a:prstGeom prst="line">
             <a:avLst/>
@@ -2111,7 +2111,7 @@
         <p:spPr bwMode="auto">
           <a:xfrm>
             <a:off x="1219200" y="0"/>
-            <a:ext cx="76200" cy="6858000"/>
+            <a:ext cx="76200" cy="5143500"/>
           </a:xfrm>
           <a:prstGeom prst="rect">
             <a:avLst/>
@@ -2159,8 +2159,8 @@
         </p:nvSpPr>
         <p:spPr bwMode="auto">
           <a:xfrm>
-            <a:off x="609600" y="3429000"/>
-            <a:ext cx="1295400" cy="1295400"/>
+            <a:off x="609600" y="2571750"/>
+            <a:ext cx="1295400" cy="971550"/>
           </a:xfrm>
           <a:prstGeom prst="ellipse">
             <a:avLst/>
@@ -2202,8 +2202,8 @@
         </p:nvSpPr>
         <p:spPr bwMode="auto">
           <a:xfrm>
-            <a:off x="1324704" y="4866752"/>
-            <a:ext cx="641424" cy="641424"/>
+            <a:off x="1324704" y="3650064"/>
+            <a:ext cx="641424" cy="481068"/>
           </a:xfrm>
           <a:prstGeom prst="ellipse">
             <a:avLst/>
@@ -2245,8 +2245,8 @@
         </p:nvSpPr>
         <p:spPr bwMode="auto">
           <a:xfrm>
-            <a:off x="1091080" y="5500632"/>
-            <a:ext cx="137160" cy="137160"/>
+            <a:off x="1091080" y="4125474"/>
+            <a:ext cx="137160" cy="102870"/>
           </a:xfrm>
           <a:prstGeom prst="ellipse">
             <a:avLst/>
@@ -2288,8 +2288,8 @@
         </p:nvSpPr>
         <p:spPr bwMode="auto">
           <a:xfrm>
-            <a:off x="1664208" y="5791200"/>
-            <a:ext cx="274320" cy="274320"/>
+            <a:off x="1664208" y="4343400"/>
+            <a:ext cx="274320" cy="205740"/>
           </a:xfrm>
           <a:prstGeom prst="ellipse">
             <a:avLst/>
@@ -2331,8 +2331,8 @@
         </p:nvSpPr>
         <p:spPr bwMode="auto">
           <a:xfrm>
-            <a:off x="1879040" y="4479888"/>
-            <a:ext cx="365760" cy="365760"/>
+            <a:off x="1879040" y="3359916"/>
+            <a:ext cx="365760" cy="274320"/>
           </a:xfrm>
           <a:prstGeom prst="ellipse">
             <a:avLst/>
@@ -2377,7 +2377,7 @@
         <p:spPr bwMode="auto">
           <a:xfrm>
             <a:off x="9097944" y="0"/>
-            <a:ext cx="0" cy="6858000"/>
+            <a:ext cx="0" cy="5143500"/>
           </a:xfrm>
           <a:prstGeom prst="line">
             <a:avLst/>
@@ -2416,8 +2416,8 @@
         </p:nvSpPr>
         <p:spPr bwMode="auto">
           <a:xfrm>
-            <a:off x="1340616" y="4928702"/>
-            <a:ext cx="609600" cy="517524"/>
+            <a:off x="1340616" y="3696527"/>
+            <a:ext cx="609600" cy="388143"/>
           </a:xfrm>
         </p:spPr>
         <p:txBody>
@@ -2499,7 +2499,7 @@
             <a:fld id="{86B5546F-C09B-4E63-ABC5-F7C86A7E8D66}" type="datetimeFigureOut">
               <a:rPr lang="en-US" smtClean="0"/>
               <a:pPr/>
-              <a:t>3/12/2017</a:t>
+              <a:t>10/26/2019</a:t>
             </a:fld>
             <a:endParaRPr lang="en-US"/>
           </a:p>
@@ -2560,8 +2560,8 @@
         </p:nvSpPr>
         <p:spPr>
           <a:xfrm>
-            <a:off x="457200" y="1600200"/>
-            <a:ext cx="3657600" cy="4572000"/>
+            <a:off x="457200" y="1200150"/>
+            <a:ext cx="3657600" cy="3429000"/>
           </a:xfrm>
         </p:spPr>
         <p:txBody>
@@ -2617,8 +2617,8 @@
         </p:nvSpPr>
         <p:spPr>
           <a:xfrm>
-            <a:off x="4270248" y="1600200"/>
-            <a:ext cx="3657600" cy="4572000"/>
+            <a:off x="4270248" y="1200150"/>
+            <a:ext cx="3657600" cy="3429000"/>
           </a:xfrm>
         </p:spPr>
         <p:txBody>
@@ -2699,8 +2699,8 @@
         </p:nvSpPr>
         <p:spPr>
           <a:xfrm>
-            <a:off x="457200" y="273050"/>
-            <a:ext cx="7543800" cy="1143000"/>
+            <a:off x="457200" y="204788"/>
+            <a:ext cx="7543800" cy="857250"/>
           </a:xfrm>
         </p:spPr>
         <p:txBody>
@@ -2737,7 +2737,7 @@
             <a:fld id="{86B5546F-C09B-4E63-ABC5-F7C86A7E8D66}" type="datetimeFigureOut">
               <a:rPr lang="en-US" smtClean="0"/>
               <a:pPr/>
-              <a:t>3/12/2017</a:t>
+              <a:t>10/26/2019</a:t>
             </a:fld>
             <a:endParaRPr lang="en-US"/>
           </a:p>
@@ -2798,8 +2798,8 @@
         </p:nvSpPr>
         <p:spPr>
           <a:xfrm>
-            <a:off x="457200" y="2362200"/>
-            <a:ext cx="3657600" cy="3886200"/>
+            <a:off x="457200" y="1771650"/>
+            <a:ext cx="3657600" cy="2914650"/>
           </a:xfrm>
         </p:spPr>
         <p:txBody>
@@ -2855,8 +2855,8 @@
         </p:nvSpPr>
         <p:spPr>
           <a:xfrm>
-            <a:off x="4371975" y="2362200"/>
-            <a:ext cx="3657600" cy="3886200"/>
+            <a:off x="4371975" y="1771650"/>
+            <a:ext cx="3657600" cy="2914650"/>
           </a:xfrm>
         </p:spPr>
         <p:txBody>
@@ -2912,8 +2912,8 @@
         </p:nvSpPr>
         <p:spPr>
           <a:xfrm>
-            <a:off x="457200" y="1569720"/>
-            <a:ext cx="3657600" cy="658368"/>
+            <a:off x="457200" y="1177290"/>
+            <a:ext cx="3657600" cy="493776"/>
           </a:xfrm>
           <a:prstGeom prst="roundRect">
             <a:avLst>
@@ -2960,8 +2960,8 @@
         </p:nvSpPr>
         <p:spPr>
           <a:xfrm>
-            <a:off x="4343400" y="1569720"/>
-            <a:ext cx="3657600" cy="658368"/>
+            <a:off x="4343400" y="1177290"/>
+            <a:ext cx="3657600" cy="493776"/>
           </a:xfrm>
           <a:prstGeom prst="roundRect">
             <a:avLst>
@@ -3062,7 +3062,7 @@
             <a:fld id="{86B5546F-C09B-4E63-ABC5-F7C86A7E8D66}" type="datetimeFigureOut">
               <a:rPr lang="en-US" smtClean="0"/>
               <a:pPr/>
-              <a:t>3/12/2017</a:t>
+              <a:t>10/26/2019</a:t>
             </a:fld>
             <a:endParaRPr lang="en-US"/>
           </a:p>
@@ -3154,7 +3154,7 @@
             <a:fld id="{86B5546F-C09B-4E63-ABC5-F7C86A7E8D66}" type="datetimeFigureOut">
               <a:rPr lang="en-US" smtClean="0"/>
               <a:pPr/>
-              <a:t>3/12/2017</a:t>
+              <a:t>10/26/2019</a:t>
             </a:fld>
             <a:endParaRPr lang="en-US"/>
           </a:p>
@@ -3244,7 +3244,7 @@
         <p:spPr bwMode="auto">
           <a:xfrm>
             <a:off x="8763000" y="0"/>
-            <a:ext cx="0" cy="6858000"/>
+            <a:ext cx="0" cy="5143500"/>
           </a:xfrm>
           <a:prstGeom prst="line">
             <a:avLst/>
@@ -3284,8 +3284,8 @@
         </p:nvSpPr>
         <p:spPr>
           <a:xfrm rot="5400000">
-            <a:off x="3371850" y="3200400"/>
-            <a:ext cx="6309360" cy="457200"/>
+            <a:off x="4160520" y="2343150"/>
+            <a:ext cx="4732020" cy="457200"/>
           </a:xfrm>
         </p:spPr>
         <p:txBody>
@@ -3317,8 +3317,8 @@
         </p:nvSpPr>
         <p:spPr>
           <a:xfrm>
-            <a:off x="6812280" y="274320"/>
-            <a:ext cx="1527048" cy="4983480"/>
+            <a:off x="6812280" y="205740"/>
+            <a:ext cx="1527048" cy="3737610"/>
           </a:xfrm>
         </p:spPr>
         <p:txBody>
@@ -3371,7 +3371,7 @@
         <p:spPr bwMode="auto">
           <a:xfrm>
             <a:off x="6248400" y="0"/>
-            <a:ext cx="0" cy="6858000"/>
+            <a:ext cx="0" cy="5143500"/>
           </a:xfrm>
           <a:prstGeom prst="line">
             <a:avLst/>
@@ -3409,7 +3409,7 @@
         <p:spPr bwMode="auto">
           <a:xfrm>
             <a:off x="6192296" y="0"/>
-            <a:ext cx="0" cy="6858000"/>
+            <a:ext cx="0" cy="5143500"/>
           </a:xfrm>
           <a:prstGeom prst="line">
             <a:avLst/>
@@ -3445,7 +3445,7 @@
         <p:spPr bwMode="auto">
           <a:xfrm>
             <a:off x="8991600" y="0"/>
-            <a:ext cx="0" cy="6858000"/>
+            <a:ext cx="0" cy="5143500"/>
           </a:xfrm>
           <a:prstGeom prst="line">
             <a:avLst/>
@@ -3479,7 +3479,7 @@
         <p:spPr bwMode="auto">
           <a:xfrm>
             <a:off x="8839200" y="0"/>
-            <a:ext cx="304800" cy="6858000"/>
+            <a:ext cx="304800" cy="5143500"/>
           </a:xfrm>
           <a:prstGeom prst="rect">
             <a:avLst/>
@@ -3530,7 +3530,7 @@
         <p:spPr bwMode="auto">
           <a:xfrm>
             <a:off x="8915400" y="0"/>
-            <a:ext cx="0" cy="6858000"/>
+            <a:ext cx="0" cy="5143500"/>
           </a:xfrm>
           <a:prstGeom prst="line">
             <a:avLst/>
@@ -3563,8 +3563,8 @@
         </p:nvSpPr>
         <p:spPr>
           <a:xfrm>
-            <a:off x="8156448" y="5715000"/>
-            <a:ext cx="548640" cy="548640"/>
+            <a:off x="8156448" y="4286250"/>
+            <a:ext cx="548640" cy="411480"/>
           </a:xfrm>
           <a:prstGeom prst="ellipse">
             <a:avLst/>
@@ -3610,8 +3610,8 @@
         </p:nvSpPr>
         <p:spPr>
           <a:xfrm>
-            <a:off x="304800" y="274320"/>
-            <a:ext cx="5638800" cy="6327648"/>
+            <a:off x="304800" y="205740"/>
+            <a:ext cx="5638800" cy="4745736"/>
           </a:xfrm>
         </p:spPr>
         <p:txBody>
@@ -3673,7 +3673,7 @@
             <a:fld id="{86B5546F-C09B-4E63-ABC5-F7C86A7E8D66}" type="datetimeFigureOut">
               <a:rPr lang="en-US" smtClean="0"/>
               <a:pPr/>
-              <a:t>3/12/2017</a:t>
+              <a:t>10/26/2019</a:t>
             </a:fld>
             <a:endParaRPr lang="en-US"/>
           </a:p>
@@ -3758,7 +3758,7 @@
         <p:spPr bwMode="auto">
           <a:xfrm>
             <a:off x="8763000" y="0"/>
-            <a:ext cx="0" cy="6858000"/>
+            <a:ext cx="0" cy="5143500"/>
           </a:xfrm>
           <a:prstGeom prst="line">
             <a:avLst/>
@@ -3793,8 +3793,8 @@
         </p:nvSpPr>
         <p:spPr>
           <a:xfrm>
-            <a:off x="8156448" y="5715000"/>
-            <a:ext cx="548640" cy="548640"/>
+            <a:off x="8156448" y="4286250"/>
+            <a:ext cx="548640" cy="411480"/>
           </a:xfrm>
           <a:prstGeom prst="ellipse">
             <a:avLst/>
@@ -3840,8 +3840,8 @@
         </p:nvSpPr>
         <p:spPr>
           <a:xfrm rot="5400000">
-            <a:off x="3350133" y="3200400"/>
-            <a:ext cx="6309360" cy="457200"/>
+            <a:off x="4138803" y="2343150"/>
+            <a:ext cx="4732020" cy="457200"/>
           </a:xfrm>
         </p:spPr>
         <p:txBody>
@@ -3874,7 +3874,7 @@
         <p:spPr>
           <a:xfrm>
             <a:off x="0" y="0"/>
-            <a:ext cx="6172200" cy="6858000"/>
+            <a:ext cx="6172200" cy="5143500"/>
           </a:xfrm>
           <a:solidFill>
             <a:schemeClr val="bg2"/>
@@ -3932,8 +3932,8 @@
         </p:nvSpPr>
         <p:spPr>
           <a:xfrm>
-            <a:off x="6765798" y="264795"/>
-            <a:ext cx="1524000" cy="4956048"/>
+            <a:off x="6765798" y="198596"/>
+            <a:ext cx="1524000" cy="3717036"/>
           </a:xfrm>
         </p:spPr>
         <p:txBody>
@@ -3985,7 +3985,7 @@
         <p:spPr bwMode="auto">
           <a:xfrm>
             <a:off x="8991600" y="0"/>
-            <a:ext cx="0" cy="6858000"/>
+            <a:ext cx="0" cy="5143500"/>
           </a:xfrm>
           <a:prstGeom prst="line">
             <a:avLst/>
@@ -4019,7 +4019,7 @@
         <p:spPr bwMode="auto">
           <a:xfrm>
             <a:off x="8839200" y="0"/>
-            <a:ext cx="304800" cy="6858000"/>
+            <a:ext cx="304800" cy="5143500"/>
           </a:xfrm>
           <a:prstGeom prst="rect">
             <a:avLst/>
@@ -4069,7 +4069,7 @@
         <p:spPr bwMode="auto">
           <a:xfrm>
             <a:off x="8915400" y="0"/>
-            <a:ext cx="0" cy="6858000"/>
+            <a:ext cx="0" cy="5143500"/>
           </a:xfrm>
           <a:prstGeom prst="line">
             <a:avLst/>
@@ -4105,7 +4105,7 @@
         <p:spPr bwMode="auto">
           <a:xfrm>
             <a:off x="6248400" y="0"/>
-            <a:ext cx="0" cy="6858000"/>
+            <a:ext cx="0" cy="5143500"/>
           </a:xfrm>
           <a:prstGeom prst="line">
             <a:avLst/>
@@ -4143,7 +4143,7 @@
         <p:spPr bwMode="auto">
           <a:xfrm>
             <a:off x="6192296" y="0"/>
-            <a:ext cx="0" cy="6858000"/>
+            <a:ext cx="0" cy="5143500"/>
           </a:xfrm>
           <a:prstGeom prst="line">
             <a:avLst/>
@@ -4186,7 +4186,7 @@
             <a:fld id="{86B5546F-C09B-4E63-ABC5-F7C86A7E8D66}" type="datetimeFigureOut">
               <a:rPr lang="en-US" smtClean="0"/>
               <a:pPr/>
-              <a:t>3/12/2017</a:t>
+              <a:t>10/26/2019</a:t>
             </a:fld>
             <a:endParaRPr lang="en-US"/>
           </a:p>
@@ -4276,7 +4276,7 @@
         <p:spPr bwMode="auto">
           <a:xfrm>
             <a:off x="8763000" y="0"/>
-            <a:ext cx="0" cy="6858000"/>
+            <a:ext cx="0" cy="5143500"/>
           </a:xfrm>
           <a:prstGeom prst="line">
             <a:avLst/>
@@ -4316,8 +4316,8 @@
         </p:nvSpPr>
         <p:spPr>
           <a:xfrm>
-            <a:off x="457200" y="274638"/>
-            <a:ext cx="7467600" cy="1143000"/>
+            <a:off x="457200" y="205979"/>
+            <a:ext cx="7467600" cy="857250"/>
           </a:xfrm>
           <a:prstGeom prst="rect">
             <a:avLst/>
@@ -4349,8 +4349,8 @@
         </p:nvSpPr>
         <p:spPr>
           <a:xfrm>
-            <a:off x="457200" y="1600200"/>
-            <a:ext cx="7467600" cy="4873752"/>
+            <a:off x="457200" y="1200150"/>
+            <a:ext cx="7467600" cy="3655314"/>
           </a:xfrm>
           <a:prstGeom prst="rect">
             <a:avLst/>
@@ -4411,8 +4411,8 @@
         </p:nvSpPr>
         <p:spPr>
           <a:xfrm rot="5400000">
-            <a:off x="7589520" y="1081851"/>
-            <a:ext cx="2011680" cy="384048"/>
+            <a:off x="7840980" y="763382"/>
+            <a:ext cx="1508760" cy="384048"/>
           </a:xfrm>
           <a:prstGeom prst="rect">
             <a:avLst/>
@@ -4433,7 +4433,7 @@
             <a:fld id="{86B5546F-C09B-4E63-ABC5-F7C86A7E8D66}" type="datetimeFigureOut">
               <a:rPr lang="en-US" smtClean="0"/>
               <a:pPr/>
-              <a:t>3/12/2017</a:t>
+              <a:t>10/26/2019</a:t>
             </a:fld>
             <a:endParaRPr lang="en-US"/>
           </a:p>
@@ -4451,8 +4451,8 @@
         </p:nvSpPr>
         <p:spPr>
           <a:xfrm rot="5400000">
-            <a:off x="6990186" y="3737240"/>
-            <a:ext cx="3200400" cy="365760"/>
+            <a:off x="7390236" y="2757210"/>
+            <a:ext cx="2400300" cy="365760"/>
           </a:xfrm>
           <a:prstGeom prst="rect">
             <a:avLst/>
@@ -4485,7 +4485,7 @@
         <p:spPr bwMode="auto">
           <a:xfrm>
             <a:off x="76200" y="0"/>
-            <a:ext cx="0" cy="6858000"/>
+            <a:ext cx="0" cy="5143500"/>
           </a:xfrm>
           <a:prstGeom prst="line">
             <a:avLst/>
@@ -4523,7 +4523,7 @@
         <p:spPr bwMode="auto">
           <a:xfrm>
             <a:off x="8991600" y="0"/>
-            <a:ext cx="0" cy="6858000"/>
+            <a:ext cx="0" cy="5143500"/>
           </a:xfrm>
           <a:prstGeom prst="line">
             <a:avLst/>
@@ -4557,7 +4557,7 @@
         <p:spPr bwMode="auto">
           <a:xfrm>
             <a:off x="8839200" y="0"/>
-            <a:ext cx="304800" cy="6858000"/>
+            <a:ext cx="304800" cy="5143500"/>
           </a:xfrm>
           <a:prstGeom prst="rect">
             <a:avLst/>
@@ -4608,7 +4608,7 @@
         <p:spPr bwMode="auto">
           <a:xfrm>
             <a:off x="8915400" y="0"/>
-            <a:ext cx="0" cy="6858000"/>
+            <a:ext cx="0" cy="5143500"/>
           </a:xfrm>
           <a:prstGeom prst="line">
             <a:avLst/>
@@ -4641,8 +4641,8 @@
         </p:nvSpPr>
         <p:spPr>
           <a:xfrm>
-            <a:off x="8156448" y="5715000"/>
-            <a:ext cx="548640" cy="548640"/>
+            <a:off x="8156448" y="4286250"/>
+            <a:ext cx="548640" cy="411480"/>
           </a:xfrm>
           <a:prstGeom prst="ellipse">
             <a:avLst/>
@@ -4688,8 +4688,8 @@
         </p:nvSpPr>
         <p:spPr>
           <a:xfrm>
-            <a:off x="8129016" y="5734050"/>
-            <a:ext cx="609600" cy="521208"/>
+            <a:off x="8129016" y="4300538"/>
+            <a:ext cx="609600" cy="390906"/>
           </a:xfrm>
           <a:prstGeom prst="rect">
             <a:avLst/>
@@ -5217,7 +5217,7 @@
         <p:spPr>
           <a:xfrm>
             <a:off x="0" y="0"/>
-            <a:ext cx="9144000" cy="6858000"/>
+            <a:ext cx="8763000" cy="5143500"/>
           </a:xfrm>
         </p:spPr>
         <p:txBody>
@@ -5227,24 +5227,24 @@
           <a:lstStyle/>
           <a:p>
             <a:r>
-              <a:rPr lang="zh-TW" altLang="en-US" sz="6000" dirty="0" smtClean="0"/>
+              <a:rPr lang="zh-TW" altLang="en-US" sz="4800" dirty="0" smtClean="0"/>
               <a:t>萬國要來就你的光；君王要來就你發現的光輝。</a:t>
             </a:r>
-            <a:endParaRPr lang="en-US" altLang="zh-TW" sz="6000" dirty="0" smtClean="0"/>
-          </a:p>
-          <a:p>
-            <a:r>
-              <a:rPr lang="zh-TW" altLang="en-US" sz="6000" b="1" dirty="0" smtClean="0"/>
+            <a:endParaRPr lang="en-US" altLang="zh-TW" sz="4800" dirty="0" smtClean="0"/>
+          </a:p>
+          <a:p>
+            <a:r>
+              <a:rPr lang="zh-TW" altLang="en-US" sz="4800" b="1" dirty="0" smtClean="0"/>
               <a:t>因為人心裡相信，就可以稱義；口裡承認，就可以得救。</a:t>
             </a:r>
-            <a:endParaRPr lang="en-US" altLang="zh-TW" sz="6000" b="1" dirty="0" smtClean="0"/>
-          </a:p>
-          <a:p>
-            <a:r>
-              <a:rPr lang="zh-TW" altLang="en-US" sz="6000" dirty="0" smtClean="0"/>
+            <a:endParaRPr lang="en-US" altLang="zh-TW" sz="4800" b="1" dirty="0" smtClean="0"/>
+          </a:p>
+          <a:p>
+            <a:r>
+              <a:rPr lang="zh-TW" altLang="en-US" sz="4800" dirty="0" smtClean="0"/>
               <a:t>因為「凡求告主名的，就必得救。」</a:t>
             </a:r>
-            <a:endParaRPr lang="en-US" altLang="zh-TW" sz="6000" dirty="0" smtClean="0"/>
+            <a:endParaRPr lang="en-US" altLang="zh-TW" sz="4800" dirty="0" smtClean="0"/>
           </a:p>
         </p:txBody>
       </p:sp>
@@ -5286,7 +5286,7 @@
         <p:spPr>
           <a:xfrm>
             <a:off x="0" y="0"/>
-            <a:ext cx="9144000" cy="6858000"/>
+            <a:ext cx="8763000" cy="5143500"/>
           </a:xfrm>
         </p:spPr>
         <p:txBody>
@@ -5296,24 +5296,20 @@
           <a:lstStyle/>
           <a:p>
             <a:r>
-              <a:rPr lang="zh-TW" altLang="en-US" sz="6000" b="1" dirty="0" smtClean="0"/>
+              <a:rPr lang="zh-TW" altLang="en-US" sz="4800" b="1" dirty="0" smtClean="0"/>
               <a:t>然而，人未曾信他，怎能求他呢？未曾聽見他，怎能信他呢？沒有傳道的，怎能聽見呢？</a:t>
             </a:r>
             <a:r>
-              <a:rPr lang="en-US" altLang="zh-TW" sz="6000" b="1" dirty="0" smtClean="0"/>
+              <a:rPr lang="en-US" altLang="zh-TW" sz="4800" b="1" dirty="0" smtClean="0"/>
               <a:t> </a:t>
             </a:r>
           </a:p>
           <a:p>
             <a:r>
-              <a:rPr lang="zh-TW" altLang="en-US" sz="6000" dirty="0" smtClean="0"/>
-              <a:t>若沒有奉差遣，怎能傳道呢</a:t>
-            </a:r>
-            <a:r>
-              <a:rPr lang="zh-TW" altLang="en-US" sz="6000" dirty="0" smtClean="0"/>
-              <a:t>？</a:t>
-            </a:r>
-            <a:endParaRPr lang="en-US" altLang="zh-TW" sz="6000" dirty="0" smtClean="0"/>
+              <a:rPr lang="zh-TW" altLang="en-US" sz="4800" dirty="0" smtClean="0"/>
+              <a:t>若沒有奉差遣，怎能傳道呢？</a:t>
+            </a:r>
+            <a:endParaRPr lang="en-US" altLang="zh-TW" sz="4800" dirty="0" smtClean="0"/>
           </a:p>
         </p:txBody>
       </p:sp>
@@ -5355,7 +5351,7 @@
         <p:spPr>
           <a:xfrm>
             <a:off x="0" y="0"/>
-            <a:ext cx="9144000" cy="6858000"/>
+            <a:ext cx="8763000" cy="5143500"/>
           </a:xfrm>
         </p:spPr>
         <p:txBody>
@@ -5365,29 +5361,17 @@
           <a:lstStyle/>
           <a:p>
             <a:r>
-              <a:rPr lang="zh-TW" altLang="en-US" sz="6000" b="1" dirty="0" smtClean="0"/>
-              <a:t>如</a:t>
-            </a:r>
-            <a:r>
-              <a:rPr lang="zh-TW" altLang="en-US" sz="6000" b="1" dirty="0" smtClean="0"/>
-              <a:t>經上所記：「報福音、傳喜信的人，他們的腳蹤何等佳美。</a:t>
-            </a:r>
-            <a:r>
-              <a:rPr lang="zh-TW" altLang="en-US" sz="6000" b="1" dirty="0" smtClean="0"/>
-              <a:t>」</a:t>
-            </a:r>
-            <a:endParaRPr lang="en-US" altLang="zh-TW" sz="6000" b="1" dirty="0" smtClean="0"/>
-          </a:p>
-          <a:p>
-            <a:r>
-              <a:rPr lang="zh-TW" altLang="en-US" sz="6000" dirty="0" smtClean="0"/>
-              <a:t>一切都是出於神；他藉著基督使我們與他和好，又將勸人與他和好的職分賜給我們</a:t>
-            </a:r>
-            <a:r>
-              <a:rPr lang="zh-TW" altLang="en-US" sz="6000" dirty="0" smtClean="0"/>
-              <a:t>。</a:t>
-            </a:r>
-            <a:endParaRPr lang="en-US" altLang="zh-TW" sz="6000" dirty="0" smtClean="0"/>
+              <a:rPr lang="zh-TW" altLang="en-US" sz="4800" b="1" dirty="0" smtClean="0"/>
+              <a:t>如經上所記：「報福音、傳喜信的人，他們的腳蹤何等佳美。」</a:t>
+            </a:r>
+            <a:endParaRPr lang="en-US" altLang="zh-TW" sz="4800" b="1" dirty="0" smtClean="0"/>
+          </a:p>
+          <a:p>
+            <a:r>
+              <a:rPr lang="zh-TW" altLang="en-US" sz="4800" dirty="0" smtClean="0"/>
+              <a:t>一切都是出於神；他藉著基督使我們與他和好，又將勸人與他和好的職分賜給我們。</a:t>
+            </a:r>
+            <a:endParaRPr lang="en-US" altLang="zh-TW" sz="4800" dirty="0" smtClean="0"/>
           </a:p>
         </p:txBody>
       </p:sp>
@@ -5429,7 +5413,7 @@
         <p:spPr>
           <a:xfrm>
             <a:off x="0" y="0"/>
-            <a:ext cx="9144000" cy="6858000"/>
+            <a:ext cx="8763000" cy="5143500"/>
           </a:xfrm>
         </p:spPr>
         <p:txBody>
@@ -5439,14 +5423,10 @@
           <a:lstStyle/>
           <a:p>
             <a:r>
-              <a:rPr lang="zh-TW" altLang="en-US" sz="6000" b="1" dirty="0" smtClean="0"/>
-              <a:t>這</a:t>
-            </a:r>
-            <a:r>
-              <a:rPr lang="zh-TW" altLang="en-US" sz="6000" b="1" dirty="0" smtClean="0"/>
-              <a:t>就是神在基督裡，叫世人與自己和好，不將他們的過犯歸到他們身上，並且將這和好的道理託付了我們。</a:t>
-            </a:r>
-            <a:endParaRPr lang="en-US" altLang="zh-TW" sz="6000" b="1" dirty="0" smtClean="0"/>
+              <a:rPr lang="zh-TW" altLang="en-US" sz="4800" b="1" dirty="0" smtClean="0"/>
+              <a:t>這就是神在基督裡，叫世人與自己和好，不將他們的過犯歸到他們身上，並且將這和好的道理託付了我們。</a:t>
+            </a:r>
+            <a:endParaRPr lang="en-US" altLang="zh-TW" sz="4800" b="1" dirty="0" smtClean="0"/>
           </a:p>
         </p:txBody>
       </p:sp>
@@ -5488,7 +5468,7 @@
         <p:spPr>
           <a:xfrm>
             <a:off x="0" y="0"/>
-            <a:ext cx="9144000" cy="6858000"/>
+            <a:ext cx="8763000" cy="5143500"/>
           </a:xfrm>
         </p:spPr>
         <p:txBody>
@@ -5498,22 +5478,18 @@
           <a:lstStyle/>
           <a:p>
             <a:r>
-              <a:rPr lang="zh-TW" altLang="en-US" sz="6000" dirty="0" smtClean="0"/>
+              <a:rPr lang="zh-TW" altLang="en-US" sz="4800" dirty="0" smtClean="0"/>
               <a:t>他願意萬人得救，明白真道。</a:t>
             </a:r>
             <a:r>
-              <a:rPr lang="en-US" altLang="zh-TW" sz="6000" dirty="0" smtClean="0"/>
+              <a:rPr lang="en-US" altLang="zh-TW" sz="4800" dirty="0" smtClean="0"/>
               <a:t> </a:t>
             </a:r>
             <a:r>
-              <a:rPr lang="zh-TW" altLang="en-US" sz="6000" dirty="0" smtClean="0"/>
-              <a:t>因為只有一位神，在神和人中間，只有一位中保，乃是降世為人的基督耶穌</a:t>
-            </a:r>
-            <a:r>
-              <a:rPr lang="zh-TW" altLang="en-US" sz="6000" dirty="0" smtClean="0"/>
-              <a:t>；</a:t>
-            </a:r>
-            <a:endParaRPr lang="en-US" altLang="zh-TW" sz="6000" dirty="0" smtClean="0"/>
+              <a:rPr lang="zh-TW" altLang="en-US" sz="4800" dirty="0" smtClean="0"/>
+              <a:t>因為只有一位神，在神和人中間，只有一位中保，乃是降世為人的基督耶穌；</a:t>
+            </a:r>
+            <a:endParaRPr lang="en-US" altLang="zh-TW" sz="4800" dirty="0" smtClean="0"/>
           </a:p>
         </p:txBody>
       </p:sp>
@@ -5555,7 +5531,7 @@
         <p:spPr>
           <a:xfrm>
             <a:off x="0" y="0"/>
-            <a:ext cx="9144000" cy="6858000"/>
+            <a:ext cx="8763000" cy="5143500"/>
           </a:xfrm>
         </p:spPr>
         <p:txBody>
@@ -5565,15 +5541,11 @@
           <a:lstStyle/>
           <a:p>
             <a:r>
-              <a:rPr lang="zh-TW" altLang="en-US" sz="6000" b="1" dirty="0" smtClean="0"/>
-              <a:t>務</a:t>
-            </a:r>
-            <a:r>
-              <a:rPr lang="zh-TW" altLang="en-US" sz="6000" b="1" dirty="0" smtClean="0"/>
-              <a:t>要傳道，無論得時不得時，總要專心；並用百般的忍耐，各樣的教訓，責備人、警戒人、勸勉人。</a:t>
-            </a:r>
-            <a:r>
-              <a:rPr lang="en-US" altLang="zh-TW" sz="6000" b="1" dirty="0" smtClean="0"/>
+              <a:rPr lang="zh-TW" altLang="en-US" sz="4800" b="1" dirty="0" smtClean="0"/>
+              <a:t>務要傳道，無論得時不得時，總要專心；並用百般的忍耐，各樣的教訓，責備人、警戒人、勸勉人。</a:t>
+            </a:r>
+            <a:r>
+              <a:rPr lang="en-US" altLang="zh-TW" sz="4800" b="1" dirty="0" smtClean="0"/>
               <a:t> </a:t>
             </a:r>
           </a:p>
